--- a/fts journey.pptx
+++ b/fts journey.pptx
@@ -212,7 +212,7 @@
             <a:fld id="{87EDFAC8-5991-3145-9793-9A313C8FA165}" type="datetimeFigureOut">
               <a:rPr lang="en-US" smtClean="0"/>
               <a:pPr/>
-              <a:t>8/7/2014</a:t>
+              <a:t>8/8/2014</a:t>
             </a:fld>
             <a:endParaRPr lang="en-US"/>
           </a:p>
@@ -381,7 +381,7 @@
     </p:spTree>
     <p:extLst>
       <p:ext uri="{BB962C8B-B14F-4D97-AF65-F5344CB8AC3E}">
-        <p14:creationId xmlns:p14="http://schemas.microsoft.com/office/powerpoint/2010/main" xmlns="" val="4124804405"/>
+        <p14:creationId xmlns:p14="http://schemas.microsoft.com/office/powerpoint/2010/main" val="4124804405"/>
       </p:ext>
     </p:extLst>
   </p:cSld>
@@ -501,7 +501,7 @@
     </p:spTree>
     <p:extLst>
       <p:ext uri="{BB962C8B-B14F-4D97-AF65-F5344CB8AC3E}">
-        <p14:creationId xmlns:p14="http://schemas.microsoft.com/office/powerpoint/2010/main" xmlns="" val="3260163533"/>
+        <p14:creationId xmlns:p14="http://schemas.microsoft.com/office/powerpoint/2010/main" val="3260163533"/>
       </p:ext>
     </p:extLst>
   </p:cSld>
@@ -531,7 +531,7 @@
     </p:spTree>
     <p:extLst>
       <p:ext uri="{BB962C8B-B14F-4D97-AF65-F5344CB8AC3E}">
-        <p14:creationId xmlns:p14="http://schemas.microsoft.com/office/powerpoint/2010/main" xmlns="" val="89236429"/>
+        <p14:creationId xmlns:p14="http://schemas.microsoft.com/office/powerpoint/2010/main" val="89236429"/>
       </p:ext>
     </p:extLst>
   </p:cSld>
@@ -561,7 +561,7 @@
     </p:spTree>
     <p:extLst>
       <p:ext uri="{BB962C8B-B14F-4D97-AF65-F5344CB8AC3E}">
-        <p14:creationId xmlns:p14="http://schemas.microsoft.com/office/powerpoint/2010/main" xmlns="" val="392054391"/>
+        <p14:creationId xmlns:p14="http://schemas.microsoft.com/office/powerpoint/2010/main" val="392054391"/>
       </p:ext>
     </p:extLst>
   </p:cSld>
@@ -591,7 +591,7 @@
     </p:spTree>
     <p:extLst>
       <p:ext uri="{BB962C8B-B14F-4D97-AF65-F5344CB8AC3E}">
-        <p14:creationId xmlns:p14="http://schemas.microsoft.com/office/powerpoint/2010/main" xmlns="" val="2301198650"/>
+        <p14:creationId xmlns:p14="http://schemas.microsoft.com/office/powerpoint/2010/main" val="2301198650"/>
       </p:ext>
     </p:extLst>
   </p:cSld>
@@ -621,7 +621,7 @@
     </p:spTree>
     <p:extLst>
       <p:ext uri="{BB962C8B-B14F-4D97-AF65-F5344CB8AC3E}">
-        <p14:creationId xmlns:p14="http://schemas.microsoft.com/office/powerpoint/2010/main" xmlns="" val="392777403"/>
+        <p14:creationId xmlns:p14="http://schemas.microsoft.com/office/powerpoint/2010/main" val="392777403"/>
       </p:ext>
     </p:extLst>
   </p:cSld>
@@ -651,7 +651,7 @@
     </p:spTree>
     <p:extLst>
       <p:ext uri="{BB962C8B-B14F-4D97-AF65-F5344CB8AC3E}">
-        <p14:creationId xmlns:p14="http://schemas.microsoft.com/office/powerpoint/2010/main" xmlns="" val="340223829"/>
+        <p14:creationId xmlns:p14="http://schemas.microsoft.com/office/powerpoint/2010/main" val="340223829"/>
       </p:ext>
     </p:extLst>
   </p:cSld>
@@ -681,7 +681,7 @@
     </p:spTree>
     <p:extLst>
       <p:ext uri="{BB962C8B-B14F-4D97-AF65-F5344CB8AC3E}">
-        <p14:creationId xmlns:p14="http://schemas.microsoft.com/office/powerpoint/2010/main" xmlns="" val="1382689729"/>
+        <p14:creationId xmlns:p14="http://schemas.microsoft.com/office/powerpoint/2010/main" val="1382689729"/>
       </p:ext>
     </p:extLst>
   </p:cSld>
@@ -711,7 +711,7 @@
     </p:spTree>
     <p:extLst>
       <p:ext uri="{BB962C8B-B14F-4D97-AF65-F5344CB8AC3E}">
-        <p14:creationId xmlns:p14="http://schemas.microsoft.com/office/powerpoint/2010/main" xmlns="" val="209956025"/>
+        <p14:creationId xmlns:p14="http://schemas.microsoft.com/office/powerpoint/2010/main" val="209956025"/>
       </p:ext>
     </p:extLst>
   </p:cSld>
@@ -741,7 +741,7 @@
     </p:spTree>
     <p:extLst>
       <p:ext uri="{BB962C8B-B14F-4D97-AF65-F5344CB8AC3E}">
-        <p14:creationId xmlns:p14="http://schemas.microsoft.com/office/powerpoint/2010/main" xmlns="" val="2670387925"/>
+        <p14:creationId xmlns:p14="http://schemas.microsoft.com/office/powerpoint/2010/main" val="2670387925"/>
       </p:ext>
     </p:extLst>
   </p:cSld>
@@ -771,7 +771,7 @@
     </p:spTree>
     <p:extLst>
       <p:ext uri="{BB962C8B-B14F-4D97-AF65-F5344CB8AC3E}">
-        <p14:creationId xmlns:p14="http://schemas.microsoft.com/office/powerpoint/2010/main" xmlns="" val="2479430595"/>
+        <p14:creationId xmlns:p14="http://schemas.microsoft.com/office/powerpoint/2010/main" val="2479430595"/>
       </p:ext>
     </p:extLst>
   </p:cSld>
@@ -801,7 +801,7 @@
     </p:spTree>
     <p:extLst>
       <p:ext uri="{BB962C8B-B14F-4D97-AF65-F5344CB8AC3E}">
-        <p14:creationId xmlns:p14="http://schemas.microsoft.com/office/powerpoint/2010/main" xmlns="" val="2072677224"/>
+        <p14:creationId xmlns:p14="http://schemas.microsoft.com/office/powerpoint/2010/main" val="2072677224"/>
       </p:ext>
     </p:extLst>
   </p:cSld>
@@ -831,7 +831,7 @@
     </p:spTree>
     <p:extLst>
       <p:ext uri="{BB962C8B-B14F-4D97-AF65-F5344CB8AC3E}">
-        <p14:creationId xmlns:p14="http://schemas.microsoft.com/office/powerpoint/2010/main" xmlns="" val="1429586413"/>
+        <p14:creationId xmlns:p14="http://schemas.microsoft.com/office/powerpoint/2010/main" val="1429586413"/>
       </p:ext>
     </p:extLst>
   </p:cSld>
@@ -861,7 +861,7 @@
     </p:spTree>
     <p:extLst>
       <p:ext uri="{BB962C8B-B14F-4D97-AF65-F5344CB8AC3E}">
-        <p14:creationId xmlns:p14="http://schemas.microsoft.com/office/powerpoint/2010/main" xmlns="" val="52914360"/>
+        <p14:creationId xmlns:p14="http://schemas.microsoft.com/office/powerpoint/2010/main" val="52914360"/>
       </p:ext>
     </p:extLst>
   </p:cSld>
@@ -891,7 +891,7 @@
     </p:spTree>
     <p:extLst>
       <p:ext uri="{BB962C8B-B14F-4D97-AF65-F5344CB8AC3E}">
-        <p14:creationId xmlns:p14="http://schemas.microsoft.com/office/powerpoint/2010/main" xmlns="" val="2544618454"/>
+        <p14:creationId xmlns:p14="http://schemas.microsoft.com/office/powerpoint/2010/main" val="2544618454"/>
       </p:ext>
     </p:extLst>
   </p:cSld>
@@ -921,7 +921,7 @@
     </p:spTree>
     <p:extLst>
       <p:ext uri="{BB962C8B-B14F-4D97-AF65-F5344CB8AC3E}">
-        <p14:creationId xmlns:p14="http://schemas.microsoft.com/office/powerpoint/2010/main" xmlns="" val="1232405455"/>
+        <p14:creationId xmlns:p14="http://schemas.microsoft.com/office/powerpoint/2010/main" val="1232405455"/>
       </p:ext>
     </p:extLst>
   </p:cSld>
@@ -1043,7 +1043,7 @@
               <a:pPr eaLnBrk="0" hangingPunct="0">
                 <a:defRPr/>
               </a:pPr>
-              <a:t>07 August 2014</a:t>
+              <a:t>08 August 2014</a:t>
             </a:fld>
             <a:endParaRPr lang="en-US" sz="900" dirty="0">
               <a:solidFill>
@@ -1136,7 +1136,7 @@
     </p:spTree>
     <p:extLst>
       <p:ext uri="{BB962C8B-B14F-4D97-AF65-F5344CB8AC3E}">
-        <p14:creationId xmlns:p14="http://schemas.microsoft.com/office/powerpoint/2010/main" xmlns="" val="2050965234"/>
+        <p14:creationId xmlns:p14="http://schemas.microsoft.com/office/powerpoint/2010/main" val="2050965234"/>
       </p:ext>
     </p:extLst>
   </p:cSld>
@@ -1431,7 +1431,7 @@
           <a:blip r:embed="rId3" cstate="screen">
             <a:extLst>
               <a:ext uri="{28A0092B-C50C-407E-A947-70E740481C1C}">
-                <a14:useLocalDpi xmlns:a14="http://schemas.microsoft.com/office/drawing/2010/main" xmlns=""/>
+                <a14:useLocalDpi xmlns:a14="http://schemas.microsoft.com/office/drawing/2010/main"/>
               </a:ext>
             </a:extLst>
           </a:blip>
@@ -1547,7 +1547,7 @@
               <a:pPr eaLnBrk="0" hangingPunct="0">
                 <a:defRPr/>
               </a:pPr>
-              <a:t>07 August 2014</a:t>
+              <a:t>08 August 2014</a:t>
             </a:fld>
             <a:endParaRPr lang="en-US" sz="900" dirty="0">
               <a:solidFill>
@@ -1640,7 +1640,7 @@
     </p:spTree>
     <p:extLst>
       <p:ext uri="{BB962C8B-B14F-4D97-AF65-F5344CB8AC3E}">
-        <p14:creationId xmlns:p14="http://schemas.microsoft.com/office/powerpoint/2010/main" xmlns="" val="4010067518"/>
+        <p14:creationId xmlns:p14="http://schemas.microsoft.com/office/powerpoint/2010/main" val="4010067518"/>
       </p:ext>
     </p:extLst>
   </p:cSld>
@@ -1935,7 +1935,7 @@
           <a:blip r:embed="rId3">
             <a:extLst>
               <a:ext uri="{28A0092B-C50C-407E-A947-70E740481C1C}">
-                <a14:useLocalDpi xmlns:a14="http://schemas.microsoft.com/office/drawing/2010/main" xmlns=""/>
+                <a14:useLocalDpi xmlns:a14="http://schemas.microsoft.com/office/drawing/2010/main"/>
               </a:ext>
             </a:extLst>
           </a:blip>
@@ -2043,7 +2043,7 @@
               <a:pPr eaLnBrk="0" hangingPunct="0">
                 <a:defRPr/>
               </a:pPr>
-              <a:t>07 August 2014</a:t>
+              <a:t>08 August 2014</a:t>
             </a:fld>
             <a:endParaRPr lang="en-US" sz="900" dirty="0">
               <a:solidFill>
@@ -2136,7 +2136,7 @@
     </p:spTree>
     <p:extLst>
       <p:ext uri="{BB962C8B-B14F-4D97-AF65-F5344CB8AC3E}">
-        <p14:creationId xmlns:p14="http://schemas.microsoft.com/office/powerpoint/2010/main" xmlns="" val="3828802584"/>
+        <p14:creationId xmlns:p14="http://schemas.microsoft.com/office/powerpoint/2010/main" val="3828802584"/>
       </p:ext>
     </p:extLst>
   </p:cSld>
@@ -2431,7 +2431,7 @@
           <a:blip r:embed="rId3" cstate="print">
             <a:extLst>
               <a:ext uri="{28A0092B-C50C-407E-A947-70E740481C1C}">
-                <a14:useLocalDpi xmlns:a14="http://schemas.microsoft.com/office/drawing/2010/main" xmlns=""/>
+                <a14:useLocalDpi xmlns:a14="http://schemas.microsoft.com/office/drawing/2010/main"/>
               </a:ext>
             </a:extLst>
           </a:blip>
@@ -2449,7 +2449,7 @@
           <a:noFill/>
           <a:extLst>
             <a:ext uri="{909E8E84-426E-40DD-AFC4-6F175D3DCCD1}">
-              <a14:hiddenFill xmlns:a14="http://schemas.microsoft.com/office/drawing/2010/main" xmlns="">
+              <a14:hiddenFill xmlns:a14="http://schemas.microsoft.com/office/drawing/2010/main">
                 <a:solidFill>
                   <a:srgbClr val="FFFFFF"/>
                 </a:solidFill>
@@ -2548,7 +2548,7 @@
               <a:pPr eaLnBrk="0" hangingPunct="0">
                 <a:defRPr/>
               </a:pPr>
-              <a:t>07 August 2014</a:t>
+              <a:t>08 August 2014</a:t>
             </a:fld>
             <a:endParaRPr lang="en-US" sz="900" dirty="0">
               <a:solidFill>
@@ -2641,7 +2641,7 @@
     </p:spTree>
     <p:extLst>
       <p:ext uri="{BB962C8B-B14F-4D97-AF65-F5344CB8AC3E}">
-        <p14:creationId xmlns:p14="http://schemas.microsoft.com/office/powerpoint/2010/main" xmlns="" val="2118938681"/>
+        <p14:creationId xmlns:p14="http://schemas.microsoft.com/office/powerpoint/2010/main" val="2118938681"/>
       </p:ext>
     </p:extLst>
   </p:cSld>
@@ -2936,7 +2936,7 @@
           <a:blip r:embed="rId3">
             <a:extLst>
               <a:ext uri="{28A0092B-C50C-407E-A947-70E740481C1C}">
-                <a14:useLocalDpi xmlns:a14="http://schemas.microsoft.com/office/drawing/2010/main" xmlns=""/>
+                <a14:useLocalDpi xmlns:a14="http://schemas.microsoft.com/office/drawing/2010/main"/>
               </a:ext>
             </a:extLst>
           </a:blip>
@@ -3044,7 +3044,7 @@
               <a:pPr eaLnBrk="0" hangingPunct="0">
                 <a:defRPr/>
               </a:pPr>
-              <a:t>07 August 2014</a:t>
+              <a:t>08 August 2014</a:t>
             </a:fld>
             <a:endParaRPr lang="en-US" sz="900" dirty="0">
               <a:solidFill>
@@ -3137,7 +3137,7 @@
     </p:spTree>
     <p:extLst>
       <p:ext uri="{BB962C8B-B14F-4D97-AF65-F5344CB8AC3E}">
-        <p14:creationId xmlns:p14="http://schemas.microsoft.com/office/powerpoint/2010/main" xmlns="" val="1243256026"/>
+        <p14:creationId xmlns:p14="http://schemas.microsoft.com/office/powerpoint/2010/main" val="1243256026"/>
       </p:ext>
     </p:extLst>
   </p:cSld>
@@ -3432,7 +3432,7 @@
           <a:blip r:embed="rId3">
             <a:extLst>
               <a:ext uri="{28A0092B-C50C-407E-A947-70E740481C1C}">
-                <a14:useLocalDpi xmlns:a14="http://schemas.microsoft.com/office/drawing/2010/main" xmlns=""/>
+                <a14:useLocalDpi xmlns:a14="http://schemas.microsoft.com/office/drawing/2010/main"/>
               </a:ext>
             </a:extLst>
           </a:blip>
@@ -3540,7 +3540,7 @@
               <a:pPr eaLnBrk="0" hangingPunct="0">
                 <a:defRPr/>
               </a:pPr>
-              <a:t>07 August 2014</a:t>
+              <a:t>08 August 2014</a:t>
             </a:fld>
             <a:endParaRPr lang="en-US" sz="900" dirty="0">
               <a:solidFill>
@@ -3633,7 +3633,7 @@
     </p:spTree>
     <p:extLst>
       <p:ext uri="{BB962C8B-B14F-4D97-AF65-F5344CB8AC3E}">
-        <p14:creationId xmlns:p14="http://schemas.microsoft.com/office/powerpoint/2010/main" xmlns="" val="1309289695"/>
+        <p14:creationId xmlns:p14="http://schemas.microsoft.com/office/powerpoint/2010/main" val="1309289695"/>
       </p:ext>
     </p:extLst>
   </p:cSld>
@@ -3928,7 +3928,7 @@
           <a:blip r:embed="rId3">
             <a:extLst>
               <a:ext uri="{28A0092B-C50C-407E-A947-70E740481C1C}">
-                <a14:useLocalDpi xmlns:a14="http://schemas.microsoft.com/office/drawing/2010/main" xmlns=""/>
+                <a14:useLocalDpi xmlns:a14="http://schemas.microsoft.com/office/drawing/2010/main"/>
               </a:ext>
             </a:extLst>
           </a:blip>
@@ -4036,7 +4036,7 @@
               <a:pPr eaLnBrk="0" hangingPunct="0">
                 <a:defRPr/>
               </a:pPr>
-              <a:t>07 August 2014</a:t>
+              <a:t>08 August 2014</a:t>
             </a:fld>
             <a:endParaRPr lang="en-US" sz="900" dirty="0">
               <a:solidFill>
@@ -4129,7 +4129,7 @@
     </p:spTree>
     <p:extLst>
       <p:ext uri="{BB962C8B-B14F-4D97-AF65-F5344CB8AC3E}">
-        <p14:creationId xmlns:p14="http://schemas.microsoft.com/office/powerpoint/2010/main" xmlns="" val="3968948287"/>
+        <p14:creationId xmlns:p14="http://schemas.microsoft.com/office/powerpoint/2010/main" val="3968948287"/>
       </p:ext>
     </p:extLst>
   </p:cSld>
@@ -4502,7 +4502,7 @@
               <a:pPr eaLnBrk="0" hangingPunct="0">
                 <a:defRPr/>
               </a:pPr>
-              <a:t>07 August 2014</a:t>
+              <a:t>08 August 2014</a:t>
             </a:fld>
             <a:endParaRPr lang="en-US" sz="900" dirty="0">
               <a:solidFill>
@@ -4604,7 +4604,7 @@
           <a:blip r:embed="rId4" cstate="screen">
             <a:extLst>
               <a:ext uri="{28A0092B-C50C-407E-A947-70E740481C1C}">
-                <a14:useLocalDpi xmlns:a14="http://schemas.microsoft.com/office/drawing/2010/main" xmlns=""/>
+                <a14:useLocalDpi xmlns:a14="http://schemas.microsoft.com/office/drawing/2010/main"/>
               </a:ext>
             </a:extLst>
           </a:blip>
@@ -4633,7 +4633,7 @@
     </p:spTree>
     <p:extLst>
       <p:ext uri="{BB962C8B-B14F-4D97-AF65-F5344CB8AC3E}">
-        <p14:creationId xmlns:p14="http://schemas.microsoft.com/office/powerpoint/2010/main" xmlns="" val="367642722"/>
+        <p14:creationId xmlns:p14="http://schemas.microsoft.com/office/powerpoint/2010/main" val="367642722"/>
       </p:ext>
     </p:extLst>
   </p:cSld>
@@ -5036,7 +5036,7 @@
               <a:pPr eaLnBrk="0" hangingPunct="0">
                 <a:defRPr/>
               </a:pPr>
-              <a:t>07 August 2014</a:t>
+              <a:t>08 August 2014</a:t>
             </a:fld>
             <a:endParaRPr lang="en-US" sz="900" dirty="0">
               <a:solidFill>
@@ -5129,7 +5129,7 @@
     </p:spTree>
     <p:extLst>
       <p:ext uri="{BB962C8B-B14F-4D97-AF65-F5344CB8AC3E}">
-        <p14:creationId xmlns:p14="http://schemas.microsoft.com/office/powerpoint/2010/main" xmlns="" val="3500233434"/>
+        <p14:creationId xmlns:p14="http://schemas.microsoft.com/office/powerpoint/2010/main" val="3500233434"/>
       </p:ext>
     </p:extLst>
   </p:cSld>
@@ -5424,7 +5424,7 @@
           <a:blip r:embed="rId3" cstate="screen">
             <a:extLst>
               <a:ext uri="{28A0092B-C50C-407E-A947-70E740481C1C}">
-                <a14:useLocalDpi xmlns:a14="http://schemas.microsoft.com/office/drawing/2010/main" xmlns=""/>
+                <a14:useLocalDpi xmlns:a14="http://schemas.microsoft.com/office/drawing/2010/main"/>
               </a:ext>
             </a:extLst>
           </a:blip>
@@ -5531,7 +5531,7 @@
               <a:pPr eaLnBrk="0" hangingPunct="0">
                 <a:defRPr/>
               </a:pPr>
-              <a:t>07 August 2014</a:t>
+              <a:t>08 August 2014</a:t>
             </a:fld>
             <a:endParaRPr lang="en-US" sz="900" dirty="0">
               <a:solidFill>
@@ -5624,7 +5624,7 @@
     </p:spTree>
     <p:extLst>
       <p:ext uri="{BB962C8B-B14F-4D97-AF65-F5344CB8AC3E}">
-        <p14:creationId xmlns:p14="http://schemas.microsoft.com/office/powerpoint/2010/main" xmlns="" val="2213761293"/>
+        <p14:creationId xmlns:p14="http://schemas.microsoft.com/office/powerpoint/2010/main" val="2213761293"/>
       </p:ext>
     </p:extLst>
   </p:cSld>
@@ -5919,7 +5919,7 @@
           <a:blip r:embed="rId3">
             <a:extLst>
               <a:ext uri="{28A0092B-C50C-407E-A947-70E740481C1C}">
-                <a14:useLocalDpi xmlns:a14="http://schemas.microsoft.com/office/drawing/2010/main" xmlns=""/>
+                <a14:useLocalDpi xmlns:a14="http://schemas.microsoft.com/office/drawing/2010/main"/>
               </a:ext>
             </a:extLst>
           </a:blip>
@@ -6027,7 +6027,7 @@
               <a:pPr eaLnBrk="0" hangingPunct="0">
                 <a:defRPr/>
               </a:pPr>
-              <a:t>07 August 2014</a:t>
+              <a:t>08 August 2014</a:t>
             </a:fld>
             <a:endParaRPr lang="en-US" sz="900" dirty="0">
               <a:solidFill>
@@ -6120,7 +6120,7 @@
     </p:spTree>
     <p:extLst>
       <p:ext uri="{BB962C8B-B14F-4D97-AF65-F5344CB8AC3E}">
-        <p14:creationId xmlns:p14="http://schemas.microsoft.com/office/powerpoint/2010/main" xmlns="" val="3641185151"/>
+        <p14:creationId xmlns:p14="http://schemas.microsoft.com/office/powerpoint/2010/main" val="3641185151"/>
       </p:ext>
     </p:extLst>
   </p:cSld>
@@ -6415,7 +6415,7 @@
           <a:blip r:embed="rId3">
             <a:extLst>
               <a:ext uri="{28A0092B-C50C-407E-A947-70E740481C1C}">
-                <a14:useLocalDpi xmlns:a14="http://schemas.microsoft.com/office/drawing/2010/main" xmlns=""/>
+                <a14:useLocalDpi xmlns:a14="http://schemas.microsoft.com/office/drawing/2010/main"/>
               </a:ext>
             </a:extLst>
           </a:blip>
@@ -6523,7 +6523,7 @@
               <a:pPr eaLnBrk="0" hangingPunct="0">
                 <a:defRPr/>
               </a:pPr>
-              <a:t>07 August 2014</a:t>
+              <a:t>08 August 2014</a:t>
             </a:fld>
             <a:endParaRPr lang="en-US" sz="900" dirty="0">
               <a:solidFill>
@@ -6616,7 +6616,7 @@
     </p:spTree>
     <p:extLst>
       <p:ext uri="{BB962C8B-B14F-4D97-AF65-F5344CB8AC3E}">
-        <p14:creationId xmlns:p14="http://schemas.microsoft.com/office/powerpoint/2010/main" xmlns="" val="1453757578"/>
+        <p14:creationId xmlns:p14="http://schemas.microsoft.com/office/powerpoint/2010/main" val="1453757578"/>
       </p:ext>
     </p:extLst>
   </p:cSld>
@@ -6911,7 +6911,7 @@
           <a:blip r:embed="rId3">
             <a:extLst>
               <a:ext uri="{28A0092B-C50C-407E-A947-70E740481C1C}">
-                <a14:useLocalDpi xmlns:a14="http://schemas.microsoft.com/office/drawing/2010/main" xmlns=""/>
+                <a14:useLocalDpi xmlns:a14="http://schemas.microsoft.com/office/drawing/2010/main"/>
               </a:ext>
             </a:extLst>
           </a:blip>
@@ -7019,7 +7019,7 @@
               <a:pPr eaLnBrk="0" hangingPunct="0">
                 <a:defRPr/>
               </a:pPr>
-              <a:t>07 August 2014</a:t>
+              <a:t>08 August 2014</a:t>
             </a:fld>
             <a:endParaRPr lang="en-US" sz="900" dirty="0">
               <a:solidFill>
@@ -7112,7 +7112,7 @@
     </p:spTree>
     <p:extLst>
       <p:ext uri="{BB962C8B-B14F-4D97-AF65-F5344CB8AC3E}">
-        <p14:creationId xmlns:p14="http://schemas.microsoft.com/office/powerpoint/2010/main" xmlns="" val="3612892179"/>
+        <p14:creationId xmlns:p14="http://schemas.microsoft.com/office/powerpoint/2010/main" val="3612892179"/>
       </p:ext>
     </p:extLst>
   </p:cSld>
@@ -7407,7 +7407,7 @@
           <a:blip r:embed="rId3">
             <a:extLst>
               <a:ext uri="{28A0092B-C50C-407E-A947-70E740481C1C}">
-                <a14:useLocalDpi xmlns:a14="http://schemas.microsoft.com/office/drawing/2010/main" xmlns=""/>
+                <a14:useLocalDpi xmlns:a14="http://schemas.microsoft.com/office/drawing/2010/main"/>
               </a:ext>
             </a:extLst>
           </a:blip>
@@ -7515,7 +7515,7 @@
               <a:pPr eaLnBrk="0" hangingPunct="0">
                 <a:defRPr/>
               </a:pPr>
-              <a:t>07 August 2014</a:t>
+              <a:t>08 August 2014</a:t>
             </a:fld>
             <a:endParaRPr lang="en-US" sz="900" dirty="0">
               <a:solidFill>
@@ -7608,7 +7608,7 @@
     </p:spTree>
     <p:extLst>
       <p:ext uri="{BB962C8B-B14F-4D97-AF65-F5344CB8AC3E}">
-        <p14:creationId xmlns:p14="http://schemas.microsoft.com/office/powerpoint/2010/main" xmlns="" val="670919311"/>
+        <p14:creationId xmlns:p14="http://schemas.microsoft.com/office/powerpoint/2010/main" val="670919311"/>
       </p:ext>
     </p:extLst>
   </p:cSld>
@@ -7903,7 +7903,7 @@
           <a:blip r:embed="rId3">
             <a:extLst>
               <a:ext uri="{28A0092B-C50C-407E-A947-70E740481C1C}">
-                <a14:useLocalDpi xmlns:a14="http://schemas.microsoft.com/office/drawing/2010/main" xmlns=""/>
+                <a14:useLocalDpi xmlns:a14="http://schemas.microsoft.com/office/drawing/2010/main"/>
               </a:ext>
             </a:extLst>
           </a:blip>
@@ -8011,7 +8011,7 @@
               <a:pPr eaLnBrk="0" hangingPunct="0">
                 <a:defRPr/>
               </a:pPr>
-              <a:t>07 August 2014</a:t>
+              <a:t>08 August 2014</a:t>
             </a:fld>
             <a:endParaRPr lang="en-US" sz="900" dirty="0">
               <a:solidFill>
@@ -8104,7 +8104,7 @@
     </p:spTree>
     <p:extLst>
       <p:ext uri="{BB962C8B-B14F-4D97-AF65-F5344CB8AC3E}">
-        <p14:creationId xmlns:p14="http://schemas.microsoft.com/office/powerpoint/2010/main" xmlns="" val="2658852093"/>
+        <p14:creationId xmlns:p14="http://schemas.microsoft.com/office/powerpoint/2010/main" val="2658852093"/>
       </p:ext>
     </p:extLst>
   </p:cSld>
@@ -8394,7 +8394,7 @@
           <a:blip r:embed="rId2" cstate="screen">
             <a:extLst>
               <a:ext uri="{28A0092B-C50C-407E-A947-70E740481C1C}">
-                <a14:useLocalDpi xmlns:a14="http://schemas.microsoft.com/office/drawing/2010/main" xmlns=""/>
+                <a14:useLocalDpi xmlns:a14="http://schemas.microsoft.com/office/drawing/2010/main"/>
               </a:ext>
             </a:extLst>
           </a:blip>
@@ -8500,7 +8500,7 @@
           <a:blip r:embed="rId3" cstate="screen">
             <a:extLst>
               <a:ext uri="{28A0092B-C50C-407E-A947-70E740481C1C}">
-                <a14:useLocalDpi xmlns:a14="http://schemas.microsoft.com/office/drawing/2010/main" xmlns=""/>
+                <a14:useLocalDpi xmlns:a14="http://schemas.microsoft.com/office/drawing/2010/main"/>
               </a:ext>
             </a:extLst>
           </a:blip>
@@ -8589,7 +8589,7 @@
     </p:spTree>
     <p:extLst>
       <p:ext uri="{BB962C8B-B14F-4D97-AF65-F5344CB8AC3E}">
-        <p14:creationId xmlns:p14="http://schemas.microsoft.com/office/powerpoint/2010/main" xmlns="" val="632282784"/>
+        <p14:creationId xmlns:p14="http://schemas.microsoft.com/office/powerpoint/2010/main" val="632282784"/>
       </p:ext>
     </p:extLst>
   </p:cSld>
@@ -8695,7 +8695,7 @@
           <a:blip r:embed="rId2" cstate="screen">
             <a:extLst>
               <a:ext uri="{28A0092B-C50C-407E-A947-70E740481C1C}">
-                <a14:useLocalDpi xmlns:a14="http://schemas.microsoft.com/office/drawing/2010/main" xmlns=""/>
+                <a14:useLocalDpi xmlns:a14="http://schemas.microsoft.com/office/drawing/2010/main"/>
               </a:ext>
             </a:extLst>
           </a:blip>
@@ -8874,7 +8874,7 @@
     </p:spTree>
     <p:extLst>
       <p:ext uri="{BB962C8B-B14F-4D97-AF65-F5344CB8AC3E}">
-        <p14:creationId xmlns:p14="http://schemas.microsoft.com/office/powerpoint/2010/main" xmlns="" val="3186257983"/>
+        <p14:creationId xmlns:p14="http://schemas.microsoft.com/office/powerpoint/2010/main" val="3186257983"/>
       </p:ext>
     </p:extLst>
   </p:cSld>
@@ -9518,7 +9518,7 @@
           <a:blip r:embed="rId2" cstate="screen">
             <a:extLst>
               <a:ext uri="{28A0092B-C50C-407E-A947-70E740481C1C}">
-                <a14:useLocalDpi xmlns:a14="http://schemas.microsoft.com/office/drawing/2010/main" xmlns=""/>
+                <a14:useLocalDpi xmlns:a14="http://schemas.microsoft.com/office/drawing/2010/main"/>
               </a:ext>
             </a:extLst>
           </a:blip>
@@ -9881,7 +9881,7 @@
     </p:spTree>
     <p:extLst>
       <p:ext uri="{BB962C8B-B14F-4D97-AF65-F5344CB8AC3E}">
-        <p14:creationId xmlns:p14="http://schemas.microsoft.com/office/powerpoint/2010/main" xmlns="" val="4150656003"/>
+        <p14:creationId xmlns:p14="http://schemas.microsoft.com/office/powerpoint/2010/main" val="4150656003"/>
       </p:ext>
     </p:extLst>
   </p:cSld>
@@ -9987,7 +9987,7 @@
           <a:blip r:embed="rId2" cstate="screen">
             <a:extLst>
               <a:ext uri="{28A0092B-C50C-407E-A947-70E740481C1C}">
-                <a14:useLocalDpi xmlns:a14="http://schemas.microsoft.com/office/drawing/2010/main" xmlns=""/>
+                <a14:useLocalDpi xmlns:a14="http://schemas.microsoft.com/office/drawing/2010/main"/>
               </a:ext>
             </a:extLst>
           </a:blip>
@@ -10095,13 +10095,7 @@
               <a:rPr lang="en-US" sz="1200" dirty="0" smtClean="0">
                 <a:latin typeface="Trade Gothic Next LT Pro Lt" charset="0"/>
               </a:rPr>
-              <a:t> </a:t>
-            </a:r>
-            <a:r>
-              <a:rPr lang="en-US" sz="1200" dirty="0" smtClean="0">
-                <a:latin typeface="Trade Gothic Next LT Pro Lt" charset="0"/>
-              </a:rPr>
-              <a:t>Communicating with team members in office and also from different countries. </a:t>
+              <a:t> Communicating with team members in office and also from different countries. </a:t>
             </a:r>
           </a:p>
           <a:p>
@@ -10121,6 +10115,30 @@
               </a:rPr>
               <a:t>Insight and opinions of professionals in industry </a:t>
             </a:r>
+            <a:endParaRPr lang="en-US" sz="1200" dirty="0" smtClean="0">
+              <a:latin typeface="Trade Gothic Next LT Pro Lt" charset="0"/>
+            </a:endParaRPr>
+          </a:p>
+          <a:p>
+            <a:pPr>
+              <a:lnSpc>
+                <a:spcPct val="120000"/>
+              </a:lnSpc>
+              <a:spcAft>
+                <a:spcPts val="1200"/>
+              </a:spcAft>
+              <a:buFont typeface="Arial" pitchFamily="34" charset="0"/>
+              <a:buChar char="•"/>
+            </a:pPr>
+            <a:r>
+              <a:rPr lang="en-GB" sz="1200" smtClean="0">
+                <a:latin typeface="Trade Gothic Next LT Pro Lt" charset="0"/>
+              </a:rPr>
+              <a:t>Technical Skills</a:t>
+            </a:r>
+            <a:endParaRPr lang="en-US" sz="1200" dirty="0" smtClean="0">
+              <a:latin typeface="Trade Gothic Next LT Pro Lt" charset="0"/>
+            </a:endParaRPr>
           </a:p>
           <a:p>
             <a:pPr>
@@ -10142,7 +10160,7 @@
     </p:spTree>
     <p:extLst>
       <p:ext uri="{BB962C8B-B14F-4D97-AF65-F5344CB8AC3E}">
-        <p14:creationId xmlns:p14="http://schemas.microsoft.com/office/powerpoint/2010/main" xmlns="" val="337613936"/>
+        <p14:creationId xmlns:p14="http://schemas.microsoft.com/office/powerpoint/2010/main" val="337613936"/>
       </p:ext>
     </p:extLst>
   </p:cSld>
@@ -10569,6 +10587,109 @@
                       </p:childTnLst>
                     </p:cTn>
                   </p:par>
+                  <p:par>
+                    <p:cTn id="27" fill="hold">
+                      <p:stCondLst>
+                        <p:cond delay="indefinite"/>
+                      </p:stCondLst>
+                      <p:childTnLst>
+                        <p:par>
+                          <p:cTn id="28" fill="hold">
+                            <p:stCondLst>
+                              <p:cond delay="0"/>
+                            </p:stCondLst>
+                            <p:childTnLst>
+                              <p:par>
+                                <p:cTn id="29" presetID="2" presetClass="entr" presetSubtype="4" fill="hold" nodeType="clickEffect">
+                                  <p:stCondLst>
+                                    <p:cond delay="0"/>
+                                  </p:stCondLst>
+                                  <p:childTnLst>
+                                    <p:set>
+                                      <p:cBhvr>
+                                        <p:cTn id="30" dur="1" fill="hold">
+                                          <p:stCondLst>
+                                            <p:cond delay="0"/>
+                                          </p:stCondLst>
+                                        </p:cTn>
+                                        <p:tgtEl>
+                                          <p:spTgt spid="5">
+                                            <p:txEl>
+                                              <p:pRg st="4" end="4"/>
+                                            </p:txEl>
+                                          </p:spTgt>
+                                        </p:tgtEl>
+                                        <p:attrNameLst>
+                                          <p:attrName>style.visibility</p:attrName>
+                                        </p:attrNameLst>
+                                      </p:cBhvr>
+                                      <p:to>
+                                        <p:strVal val="visible"/>
+                                      </p:to>
+                                    </p:set>
+                                    <p:anim calcmode="lin" valueType="num">
+                                      <p:cBhvr additive="base">
+                                        <p:cTn id="31" dur="500" fill="hold"/>
+                                        <p:tgtEl>
+                                          <p:spTgt spid="5">
+                                            <p:txEl>
+                                              <p:pRg st="4" end="4"/>
+                                            </p:txEl>
+                                          </p:spTgt>
+                                        </p:tgtEl>
+                                        <p:attrNameLst>
+                                          <p:attrName>ppt_x</p:attrName>
+                                        </p:attrNameLst>
+                                      </p:cBhvr>
+                                      <p:tavLst>
+                                        <p:tav tm="0">
+                                          <p:val>
+                                            <p:strVal val="#ppt_x"/>
+                                          </p:val>
+                                        </p:tav>
+                                        <p:tav tm="100000">
+                                          <p:val>
+                                            <p:strVal val="#ppt_x"/>
+                                          </p:val>
+                                        </p:tav>
+                                      </p:tavLst>
+                                    </p:anim>
+                                    <p:anim calcmode="lin" valueType="num">
+                                      <p:cBhvr additive="base">
+                                        <p:cTn id="32" dur="500" fill="hold"/>
+                                        <p:tgtEl>
+                                          <p:spTgt spid="5">
+                                            <p:txEl>
+                                              <p:pRg st="4" end="4"/>
+                                            </p:txEl>
+                                          </p:spTgt>
+                                        </p:tgtEl>
+                                        <p:attrNameLst>
+                                          <p:attrName>ppt_y</p:attrName>
+                                        </p:attrNameLst>
+                                      </p:cBhvr>
+                                      <p:tavLst>
+                                        <p:tav tm="0">
+                                          <p:val>
+                                            <p:strVal val="1+#ppt_h/2"/>
+                                          </p:val>
+                                        </p:tav>
+                                        <p:tav tm="100000">
+                                          <p:val>
+                                            <p:strVal val="#ppt_y"/>
+                                          </p:val>
+                                        </p:tav>
+                                      </p:tavLst>
+                                    </p:anim>
+                                  </p:childTnLst>
+                                </p:cTn>
+                              </p:par>
+                            </p:childTnLst>
+                          </p:cTn>
+                        </p:par>
+                      </p:childTnLst>
+                    </p:cTn>
+                  </p:par>
                 </p:childTnLst>
               </p:cTn>
               <p:prevCondLst>
@@ -10708,7 +10829,7 @@
     </p:spTree>
     <p:extLst>
       <p:ext uri="{BB962C8B-B14F-4D97-AF65-F5344CB8AC3E}">
-        <p14:creationId xmlns:p14="http://schemas.microsoft.com/office/powerpoint/2010/main" xmlns="" val="1034456225"/>
+        <p14:creationId xmlns:p14="http://schemas.microsoft.com/office/powerpoint/2010/main" val="1034456225"/>
       </p:ext>
     </p:extLst>
   </p:cSld>
@@ -10818,7 +10939,7 @@
     </p:spTree>
     <p:extLst>
       <p:ext uri="{BB962C8B-B14F-4D97-AF65-F5344CB8AC3E}">
-        <p14:creationId xmlns:p14="http://schemas.microsoft.com/office/powerpoint/2010/main" xmlns="" val="3064546428"/>
+        <p14:creationId xmlns:p14="http://schemas.microsoft.com/office/powerpoint/2010/main" val="3064546428"/>
       </p:ext>
     </p:extLst>
   </p:cSld>
@@ -15956,12 +16077,12 @@
 </file>
 
 <file path=customXml/item1.xml><?xml version="1.0" encoding="utf-8"?>
-<?mso-contentType ?>
-<FormTemplates xmlns="http://schemas.microsoft.com/sharepoint/v3/contenttype/forms">
-  <Display>DocumentLibraryForm</Display>
-  <Edit>DocumentLibraryForm</Edit>
-  <New>DocumentLibraryForm</New>
-</FormTemplates>
+<p:properties xmlns:p="http://schemas.microsoft.com/office/2006/metadata/properties" xmlns:xsi="http://www.w3.org/2001/XMLSchema-instance" xmlns:pc="http://schemas.microsoft.com/office/infopath/2007/PartnerControls">
+  <documentManagement>
+    <_Version xmlns="http://schemas.microsoft.com/sharepoint/v3/fields" xsi:nil="true"/>
+    <_Status xmlns="http://schemas.microsoft.com/sharepoint/v3/fields">Not Started</_Status>
+  </documentManagement>
+</p:properties>
 </file>
 
 <file path=customXml/item2.xml><?xml version="1.0" encoding="utf-8"?>
@@ -16109,18 +16230,26 @@
 </file>
 
 <file path=customXml/item3.xml><?xml version="1.0" encoding="utf-8"?>
-<p:properties xmlns:p="http://schemas.microsoft.com/office/2006/metadata/properties" xmlns:xsi="http://www.w3.org/2001/XMLSchema-instance" xmlns:pc="http://schemas.microsoft.com/office/infopath/2007/PartnerControls">
-  <documentManagement>
-    <_Version xmlns="http://schemas.microsoft.com/sharepoint/v3/fields" xsi:nil="true"/>
-    <_Status xmlns="http://schemas.microsoft.com/sharepoint/v3/fields">Not Started</_Status>
-  </documentManagement>
-</p:properties>
+<?mso-contentType ?>
+<FormTemplates xmlns="http://schemas.microsoft.com/sharepoint/v3/contenttype/forms">
+  <Display>DocumentLibraryForm</Display>
+  <Edit>DocumentLibraryForm</Edit>
+  <New>DocumentLibraryForm</New>
+</FormTemplates>
 </file>
 
 <file path=customXml/itemProps1.xml><?xml version="1.0" encoding="utf-8"?>
-<ds:datastoreItem xmlns:ds="http://schemas.openxmlformats.org/officeDocument/2006/customXml" ds:itemID="{87D2A1B0-FF3E-4009-940D-AED0EB70AA20}">
+<ds:datastoreItem xmlns:ds="http://schemas.openxmlformats.org/officeDocument/2006/customXml" ds:itemID="{7B6F2769-7194-4217-93D3-3AF3A4742282}">
   <ds:schemaRefs>
-    <ds:schemaRef ds:uri="http://schemas.microsoft.com/sharepoint/v3/contenttype/forms"/>
+    <ds:schemaRef ds:uri="http://purl.org/dc/terms/"/>
+    <ds:schemaRef ds:uri="http://schemas.openxmlformats.org/package/2006/metadata/core-properties"/>
+    <ds:schemaRef ds:uri="http://schemas.microsoft.com/office/2006/metadata/properties"/>
+    <ds:schemaRef ds:uri="http://schemas.microsoft.com/office/2006/documentManagement/types"/>
+    <ds:schemaRef ds:uri="http://purl.org/dc/elements/1.1/"/>
+    <ds:schemaRef ds:uri="http://schemas.microsoft.com/sharepoint/v3/fields"/>
+    <ds:schemaRef ds:uri="http://schemas.microsoft.com/office/infopath/2007/PartnerControls"/>
+    <ds:schemaRef ds:uri="http://www.w3.org/XML/1998/namespace"/>
+    <ds:schemaRef ds:uri="http://purl.org/dc/dcmitype/"/>
   </ds:schemaRefs>
 </ds:datastoreItem>
 </file>
@@ -16144,17 +16273,9 @@
 </file>
 
 <file path=customXml/itemProps3.xml><?xml version="1.0" encoding="utf-8"?>
-<ds:datastoreItem xmlns:ds="http://schemas.openxmlformats.org/officeDocument/2006/customXml" ds:itemID="{7B6F2769-7194-4217-93D3-3AF3A4742282}">
+<ds:datastoreItem xmlns:ds="http://schemas.openxmlformats.org/officeDocument/2006/customXml" ds:itemID="{87D2A1B0-FF3E-4009-940D-AED0EB70AA20}">
   <ds:schemaRefs>
-    <ds:schemaRef ds:uri="http://purl.org/dc/terms/"/>
-    <ds:schemaRef ds:uri="http://schemas.openxmlformats.org/package/2006/metadata/core-properties"/>
-    <ds:schemaRef ds:uri="http://schemas.microsoft.com/office/2006/metadata/properties"/>
-    <ds:schemaRef ds:uri="http://schemas.microsoft.com/office/2006/documentManagement/types"/>
-    <ds:schemaRef ds:uri="http://purl.org/dc/elements/1.1/"/>
-    <ds:schemaRef ds:uri="http://schemas.microsoft.com/sharepoint/v3/fields"/>
-    <ds:schemaRef ds:uri="http://schemas.microsoft.com/office/infopath/2007/PartnerControls"/>
-    <ds:schemaRef ds:uri="http://www.w3.org/XML/1998/namespace"/>
-    <ds:schemaRef ds:uri="http://purl.org/dc/dcmitype/"/>
+    <ds:schemaRef ds:uri="http://schemas.microsoft.com/sharepoint/v3/contenttype/forms"/>
   </ds:schemaRefs>
 </ds:datastoreItem>
 </file>
--- a/fts journey.pptx
+++ b/fts journey.pptx
@@ -212,7 +212,7 @@
             <a:fld id="{87EDFAC8-5991-3145-9793-9A313C8FA165}" type="datetimeFigureOut">
               <a:rPr lang="en-US" smtClean="0"/>
               <a:pPr/>
-              <a:t>8/8/2014</a:t>
+              <a:t>8/11/2014</a:t>
             </a:fld>
             <a:endParaRPr lang="en-US"/>
           </a:p>
@@ -479,6 +479,307 @@
     </a:lvl9pPr>
   </p:notesStyle>
 </p:notesMaster>
+</file>
+
+<file path=ppt/notesSlides/notesSlide1.xml><?xml version="1.0" encoding="utf-8"?>
+<p:notes xmlns:a="http://schemas.openxmlformats.org/drawingml/2006/main" xmlns:r="http://schemas.openxmlformats.org/officeDocument/2006/relationships" xmlns:p="http://schemas.openxmlformats.org/presentationml/2006/main">
+  <p:cSld>
+    <p:spTree>
+      <p:nvGrpSpPr>
+        <p:cNvPr id="1" name=""/>
+        <p:cNvGrpSpPr/>
+        <p:nvPr/>
+      </p:nvGrpSpPr>
+      <p:grpSpPr>
+        <a:xfrm>
+          <a:off x="0" y="0"/>
+          <a:ext cx="0" cy="0"/>
+          <a:chOff x="0" y="0"/>
+          <a:chExt cx="0" cy="0"/>
+        </a:xfrm>
+      </p:grpSpPr>
+      <p:sp>
+        <p:nvSpPr>
+          <p:cNvPr id="2" name="Slide Image Placeholder 1"/>
+          <p:cNvSpPr>
+            <a:spLocks noGrp="1" noRot="1" noChangeAspect="1"/>
+          </p:cNvSpPr>
+          <p:nvPr>
+            <p:ph type="sldImg"/>
+          </p:nvPr>
+        </p:nvSpPr>
+        <p:spPr/>
+      </p:sp>
+      <p:sp>
+        <p:nvSpPr>
+          <p:cNvPr id="3" name="Notes Placeholder 2"/>
+          <p:cNvSpPr>
+            <a:spLocks noGrp="1"/>
+          </p:cNvSpPr>
+          <p:nvPr>
+            <p:ph type="body" idx="1"/>
+          </p:nvPr>
+        </p:nvSpPr>
+        <p:spPr/>
+        <p:txBody>
+          <a:bodyPr/>
+          <a:lstStyle/>
+          <a:p>
+            <a:r>
+              <a:rPr lang="en-GB" dirty="0" err="1" smtClean="0"/>
+              <a:t>Eloborate</a:t>
+            </a:r>
+            <a:r>
+              <a:rPr lang="en-GB" dirty="0" smtClean="0"/>
+              <a:t> on each point and how it</a:t>
+            </a:r>
+            <a:r>
+              <a:rPr lang="en-GB" baseline="0" dirty="0" smtClean="0"/>
+              <a:t> will help me later in industry. (Software development)</a:t>
+            </a:r>
+            <a:endParaRPr lang="en-US" dirty="0"/>
+          </a:p>
+        </p:txBody>
+      </p:sp>
+      <p:sp>
+        <p:nvSpPr>
+          <p:cNvPr id="4" name="Slide Number Placeholder 3"/>
+          <p:cNvSpPr>
+            <a:spLocks noGrp="1"/>
+          </p:cNvSpPr>
+          <p:nvPr>
+            <p:ph type="sldNum" sz="quarter" idx="10"/>
+          </p:nvPr>
+        </p:nvSpPr>
+        <p:spPr/>
+        <p:txBody>
+          <a:bodyPr/>
+          <a:lstStyle/>
+          <a:p>
+            <a:fld id="{E4773DDA-7232-1E41-9A12-ECB93A71EA0E}" type="slidenum">
+              <a:rPr lang="en-US" smtClean="0"/>
+              <a:pPr/>
+              <a:t>2</a:t>
+            </a:fld>
+            <a:endParaRPr lang="en-US"/>
+          </a:p>
+        </p:txBody>
+      </p:sp>
+    </p:spTree>
+    <p:extLst>
+      <p:ext uri="{BB962C8B-B14F-4D97-AF65-F5344CB8AC3E}">
+        <p14:creationId xmlns:p14="http://schemas.microsoft.com/office/powerpoint/2010/main" val="2520236746"/>
+      </p:ext>
+    </p:extLst>
+  </p:cSld>
+  <p:clrMapOvr>
+    <a:masterClrMapping/>
+  </p:clrMapOvr>
+</p:notes>
+</file>
+
+<file path=ppt/notesSlides/notesSlide2.xml><?xml version="1.0" encoding="utf-8"?>
+<p:notes xmlns:a="http://schemas.openxmlformats.org/drawingml/2006/main" xmlns:r="http://schemas.openxmlformats.org/officeDocument/2006/relationships" xmlns:p="http://schemas.openxmlformats.org/presentationml/2006/main">
+  <p:cSld>
+    <p:spTree>
+      <p:nvGrpSpPr>
+        <p:cNvPr id="1" name=""/>
+        <p:cNvGrpSpPr/>
+        <p:nvPr/>
+      </p:nvGrpSpPr>
+      <p:grpSpPr>
+        <a:xfrm>
+          <a:off x="0" y="0"/>
+          <a:ext cx="0" cy="0"/>
+          <a:chOff x="0" y="0"/>
+          <a:chExt cx="0" cy="0"/>
+        </a:xfrm>
+      </p:grpSpPr>
+      <p:sp>
+        <p:nvSpPr>
+          <p:cNvPr id="2" name="Slide Image Placeholder 1"/>
+          <p:cNvSpPr>
+            <a:spLocks noGrp="1" noRot="1" noChangeAspect="1"/>
+          </p:cNvSpPr>
+          <p:nvPr>
+            <p:ph type="sldImg"/>
+          </p:nvPr>
+        </p:nvSpPr>
+        <p:spPr/>
+      </p:sp>
+      <p:sp>
+        <p:nvSpPr>
+          <p:cNvPr id="3" name="Notes Placeholder 2"/>
+          <p:cNvSpPr>
+            <a:spLocks noGrp="1"/>
+          </p:cNvSpPr>
+          <p:nvPr>
+            <p:ph type="body" idx="1"/>
+          </p:nvPr>
+        </p:nvSpPr>
+        <p:spPr/>
+        <p:txBody>
+          <a:bodyPr/>
+          <a:lstStyle/>
+          <a:p>
+            <a:r>
+              <a:rPr lang="en-GB" dirty="0" smtClean="0"/>
+              <a:t>Here is a list of all the different</a:t>
+            </a:r>
+            <a:r>
+              <a:rPr lang="en-GB" baseline="0" dirty="0" smtClean="0"/>
+              <a:t> technologies I have learned and gained experience with while being here. </a:t>
+            </a:r>
+          </a:p>
+          <a:p>
+            <a:endParaRPr lang="en-GB" baseline="0" dirty="0" smtClean="0"/>
+          </a:p>
+          <a:p>
+            <a:r>
+              <a:rPr lang="en-GB" baseline="0" dirty="0" smtClean="0"/>
+              <a:t>Creating the carer car system to a high standard and using methods such as making it mobile friendly was a very good challenge. </a:t>
+            </a:r>
+          </a:p>
+          <a:p>
+            <a:endParaRPr lang="en-GB" baseline="0" dirty="0" smtClean="0"/>
+          </a:p>
+          <a:p>
+            <a:r>
+              <a:rPr lang="en-GB" baseline="0" dirty="0" smtClean="0"/>
+              <a:t>Using technologies like Version Control systems which was actually introduced to me through Tom and then later reinforced through a presentation with Juan was really good. I can now confidently use it in my assignments and later work; Something which is high in demand in industry. </a:t>
+            </a:r>
+            <a:endParaRPr lang="en-US" dirty="0"/>
+          </a:p>
+        </p:txBody>
+      </p:sp>
+      <p:sp>
+        <p:nvSpPr>
+          <p:cNvPr id="4" name="Slide Number Placeholder 3"/>
+          <p:cNvSpPr>
+            <a:spLocks noGrp="1"/>
+          </p:cNvSpPr>
+          <p:nvPr>
+            <p:ph type="sldNum" sz="quarter" idx="10"/>
+          </p:nvPr>
+        </p:nvSpPr>
+        <p:spPr/>
+        <p:txBody>
+          <a:bodyPr/>
+          <a:lstStyle/>
+          <a:p>
+            <a:fld id="{E4773DDA-7232-1E41-9A12-ECB93A71EA0E}" type="slidenum">
+              <a:rPr lang="en-US" smtClean="0"/>
+              <a:pPr/>
+              <a:t>3</a:t>
+            </a:fld>
+            <a:endParaRPr lang="en-US"/>
+          </a:p>
+        </p:txBody>
+      </p:sp>
+    </p:spTree>
+    <p:extLst>
+      <p:ext uri="{BB962C8B-B14F-4D97-AF65-F5344CB8AC3E}">
+        <p14:creationId xmlns:p14="http://schemas.microsoft.com/office/powerpoint/2010/main" val="1793068555"/>
+      </p:ext>
+    </p:extLst>
+  </p:cSld>
+  <p:clrMapOvr>
+    <a:masterClrMapping/>
+  </p:clrMapOvr>
+</p:notes>
+</file>
+
+<file path=ppt/notesSlides/notesSlide3.xml><?xml version="1.0" encoding="utf-8"?>
+<p:notes xmlns:a="http://schemas.openxmlformats.org/drawingml/2006/main" xmlns:r="http://schemas.openxmlformats.org/officeDocument/2006/relationships" xmlns:p="http://schemas.openxmlformats.org/presentationml/2006/main">
+  <p:cSld>
+    <p:spTree>
+      <p:nvGrpSpPr>
+        <p:cNvPr id="1" name=""/>
+        <p:cNvGrpSpPr/>
+        <p:nvPr/>
+      </p:nvGrpSpPr>
+      <p:grpSpPr>
+        <a:xfrm>
+          <a:off x="0" y="0"/>
+          <a:ext cx="0" cy="0"/>
+          <a:chOff x="0" y="0"/>
+          <a:chExt cx="0" cy="0"/>
+        </a:xfrm>
+      </p:grpSpPr>
+      <p:sp>
+        <p:nvSpPr>
+          <p:cNvPr id="2" name="Slide Image Placeholder 1"/>
+          <p:cNvSpPr>
+            <a:spLocks noGrp="1" noRot="1" noChangeAspect="1"/>
+          </p:cNvSpPr>
+          <p:nvPr>
+            <p:ph type="sldImg"/>
+          </p:nvPr>
+        </p:nvSpPr>
+        <p:spPr/>
+      </p:sp>
+      <p:sp>
+        <p:nvSpPr>
+          <p:cNvPr id="3" name="Notes Placeholder 2"/>
+          <p:cNvSpPr>
+            <a:spLocks noGrp="1"/>
+          </p:cNvSpPr>
+          <p:nvPr>
+            <p:ph type="body" idx="1"/>
+          </p:nvPr>
+        </p:nvSpPr>
+        <p:spPr/>
+        <p:txBody>
+          <a:bodyPr/>
+          <a:lstStyle/>
+          <a:p>
+            <a:r>
+              <a:rPr lang="en-GB" dirty="0" smtClean="0"/>
+              <a:t>List</a:t>
+            </a:r>
+            <a:r>
+              <a:rPr lang="en-GB" baseline="0" dirty="0" smtClean="0"/>
+              <a:t> of non specific things I have learned and more skills orientated.</a:t>
+            </a:r>
+            <a:endParaRPr lang="en-US" dirty="0"/>
+          </a:p>
+        </p:txBody>
+      </p:sp>
+      <p:sp>
+        <p:nvSpPr>
+          <p:cNvPr id="4" name="Slide Number Placeholder 3"/>
+          <p:cNvSpPr>
+            <a:spLocks noGrp="1"/>
+          </p:cNvSpPr>
+          <p:nvPr>
+            <p:ph type="sldNum" sz="quarter" idx="10"/>
+          </p:nvPr>
+        </p:nvSpPr>
+        <p:spPr/>
+        <p:txBody>
+          <a:bodyPr/>
+          <a:lstStyle/>
+          <a:p>
+            <a:fld id="{E4773DDA-7232-1E41-9A12-ECB93A71EA0E}" type="slidenum">
+              <a:rPr lang="en-US" smtClean="0"/>
+              <a:pPr/>
+              <a:t>4</a:t>
+            </a:fld>
+            <a:endParaRPr lang="en-US"/>
+          </a:p>
+        </p:txBody>
+      </p:sp>
+    </p:spTree>
+    <p:extLst>
+      <p:ext uri="{BB962C8B-B14F-4D97-AF65-F5344CB8AC3E}">
+        <p14:creationId xmlns:p14="http://schemas.microsoft.com/office/powerpoint/2010/main" val="2010030998"/>
+      </p:ext>
+    </p:extLst>
+  </p:cSld>
+  <p:clrMapOvr>
+    <a:masterClrMapping/>
+  </p:clrMapOvr>
+</p:notes>
 </file>
 
 <file path=ppt/slideLayouts/slideLayout1.xml><?xml version="1.0" encoding="utf-8"?>
@@ -1043,7 +1344,7 @@
               <a:pPr eaLnBrk="0" hangingPunct="0">
                 <a:defRPr/>
               </a:pPr>
-              <a:t>08 August 2014</a:t>
+              <a:t>11 August 2014</a:t>
             </a:fld>
             <a:endParaRPr lang="en-US" sz="900" dirty="0">
               <a:solidFill>
@@ -1547,7 +1848,7 @@
               <a:pPr eaLnBrk="0" hangingPunct="0">
                 <a:defRPr/>
               </a:pPr>
-              <a:t>08 August 2014</a:t>
+              <a:t>11 August 2014</a:t>
             </a:fld>
             <a:endParaRPr lang="en-US" sz="900" dirty="0">
               <a:solidFill>
@@ -2043,7 +2344,7 @@
               <a:pPr eaLnBrk="0" hangingPunct="0">
                 <a:defRPr/>
               </a:pPr>
-              <a:t>08 August 2014</a:t>
+              <a:t>11 August 2014</a:t>
             </a:fld>
             <a:endParaRPr lang="en-US" sz="900" dirty="0">
               <a:solidFill>
@@ -2548,7 +2849,7 @@
               <a:pPr eaLnBrk="0" hangingPunct="0">
                 <a:defRPr/>
               </a:pPr>
-              <a:t>08 August 2014</a:t>
+              <a:t>11 August 2014</a:t>
             </a:fld>
             <a:endParaRPr lang="en-US" sz="900" dirty="0">
               <a:solidFill>
@@ -3044,7 +3345,7 @@
               <a:pPr eaLnBrk="0" hangingPunct="0">
                 <a:defRPr/>
               </a:pPr>
-              <a:t>08 August 2014</a:t>
+              <a:t>11 August 2014</a:t>
             </a:fld>
             <a:endParaRPr lang="en-US" sz="900" dirty="0">
               <a:solidFill>
@@ -3540,7 +3841,7 @@
               <a:pPr eaLnBrk="0" hangingPunct="0">
                 <a:defRPr/>
               </a:pPr>
-              <a:t>08 August 2014</a:t>
+              <a:t>11 August 2014</a:t>
             </a:fld>
             <a:endParaRPr lang="en-US" sz="900" dirty="0">
               <a:solidFill>
@@ -4036,7 +4337,7 @@
               <a:pPr eaLnBrk="0" hangingPunct="0">
                 <a:defRPr/>
               </a:pPr>
-              <a:t>08 August 2014</a:t>
+              <a:t>11 August 2014</a:t>
             </a:fld>
             <a:endParaRPr lang="en-US" sz="900" dirty="0">
               <a:solidFill>
@@ -4502,7 +4803,7 @@
               <a:pPr eaLnBrk="0" hangingPunct="0">
                 <a:defRPr/>
               </a:pPr>
-              <a:t>08 August 2014</a:t>
+              <a:t>11 August 2014</a:t>
             </a:fld>
             <a:endParaRPr lang="en-US" sz="900" dirty="0">
               <a:solidFill>
@@ -5036,7 +5337,7 @@
               <a:pPr eaLnBrk="0" hangingPunct="0">
                 <a:defRPr/>
               </a:pPr>
-              <a:t>08 August 2014</a:t>
+              <a:t>11 August 2014</a:t>
             </a:fld>
             <a:endParaRPr lang="en-US" sz="900" dirty="0">
               <a:solidFill>
@@ -5531,7 +5832,7 @@
               <a:pPr eaLnBrk="0" hangingPunct="0">
                 <a:defRPr/>
               </a:pPr>
-              <a:t>08 August 2014</a:t>
+              <a:t>11 August 2014</a:t>
             </a:fld>
             <a:endParaRPr lang="en-US" sz="900" dirty="0">
               <a:solidFill>
@@ -6027,7 +6328,7 @@
               <a:pPr eaLnBrk="0" hangingPunct="0">
                 <a:defRPr/>
               </a:pPr>
-              <a:t>08 August 2014</a:t>
+              <a:t>11 August 2014</a:t>
             </a:fld>
             <a:endParaRPr lang="en-US" sz="900" dirty="0">
               <a:solidFill>
@@ -6523,7 +6824,7 @@
               <a:pPr eaLnBrk="0" hangingPunct="0">
                 <a:defRPr/>
               </a:pPr>
-              <a:t>08 August 2014</a:t>
+              <a:t>11 August 2014</a:t>
             </a:fld>
             <a:endParaRPr lang="en-US" sz="900" dirty="0">
               <a:solidFill>
@@ -7019,7 +7320,7 @@
               <a:pPr eaLnBrk="0" hangingPunct="0">
                 <a:defRPr/>
               </a:pPr>
-              <a:t>08 August 2014</a:t>
+              <a:t>11 August 2014</a:t>
             </a:fld>
             <a:endParaRPr lang="en-US" sz="900" dirty="0">
               <a:solidFill>
@@ -7515,7 +7816,7 @@
               <a:pPr eaLnBrk="0" hangingPunct="0">
                 <a:defRPr/>
               </a:pPr>
-              <a:t>08 August 2014</a:t>
+              <a:t>11 August 2014</a:t>
             </a:fld>
             <a:endParaRPr lang="en-US" sz="900" dirty="0">
               <a:solidFill>
@@ -8011,7 +8312,7 @@
               <a:pPr eaLnBrk="0" hangingPunct="0">
                 <a:defRPr/>
               </a:pPr>
-              <a:t>08 August 2014</a:t>
+              <a:t>11 August 2014</a:t>
             </a:fld>
             <a:endParaRPr lang="en-US" sz="900" dirty="0">
               <a:solidFill>
@@ -8692,7 +8993,7 @@
           <p:nvPr/>
         </p:nvPicPr>
         <p:blipFill>
-          <a:blip r:embed="rId2" cstate="screen">
+          <a:blip r:embed="rId3" cstate="screen">
             <a:extLst>
               <a:ext uri="{28A0092B-C50C-407E-A947-70E740481C1C}">
                 <a14:useLocalDpi xmlns:a14="http://schemas.microsoft.com/office/drawing/2010/main"/>
@@ -8767,7 +9068,19 @@
               <a:rPr lang="en-US" sz="1200" dirty="0" smtClean="0">
                 <a:latin typeface="Trade Gothic Next LT Pro Lt" charset="0"/>
               </a:rPr>
-              <a:t> Conducted user acceptance, underground and cross platform testing on various mobile handset devices both in market and out. </a:t>
+              <a:t> Conducted user acceptance, underground and cross platform testing on various mobile handset devices both in </a:t>
+            </a:r>
+            <a:r>
+              <a:rPr lang="en-US" sz="1200" dirty="0" smtClean="0">
+                <a:latin typeface="Trade Gothic Next LT Pro Lt" charset="0"/>
+              </a:rPr>
+              <a:t>NPI and </a:t>
+            </a:r>
+            <a:r>
+              <a:rPr lang="en-US" sz="1200" smtClean="0">
+                <a:latin typeface="Trade Gothic Next LT Pro Lt" charset="0"/>
+              </a:rPr>
+              <a:t>in market. </a:t>
             </a:r>
           </a:p>
           <a:p>
@@ -8785,7 +9098,13 @@
               <a:rPr lang="en-US" sz="1200" dirty="0" smtClean="0">
                 <a:latin typeface="Trade Gothic Next LT Pro Lt" charset="0"/>
               </a:rPr>
-              <a:t>Developed a Carey Car System to aid testers to </a:t>
+              <a:t>Developed </a:t>
+            </a:r>
+            <a:r>
+              <a:rPr lang="en-US" sz="1200" dirty="0" smtClean="0">
+                <a:latin typeface="Trade Gothic Next LT Pro Lt" charset="0"/>
+              </a:rPr>
+              <a:t>a Carey Car System to aid testers to </a:t>
             </a:r>
             <a:r>
               <a:rPr lang="en-US" sz="1200" dirty="0" err="1" smtClean="0">
@@ -9515,7 +9834,7 @@
           <p:nvPr/>
         </p:nvPicPr>
         <p:blipFill>
-          <a:blip r:embed="rId2" cstate="screen">
+          <a:blip r:embed="rId3" cstate="screen">
             <a:extLst>
               <a:ext uri="{28A0092B-C50C-407E-A947-70E740481C1C}">
                 <a14:useLocalDpi xmlns:a14="http://schemas.microsoft.com/office/drawing/2010/main"/>
@@ -9984,7 +10303,7 @@
           <p:nvPr/>
         </p:nvPicPr>
         <p:blipFill>
-          <a:blip r:embed="rId2" cstate="screen">
+          <a:blip r:embed="rId3" cstate="screen">
             <a:extLst>
               <a:ext uri="{28A0092B-C50C-407E-A947-70E740481C1C}">
                 <a14:useLocalDpi xmlns:a14="http://schemas.microsoft.com/office/drawing/2010/main"/>
@@ -10115,9 +10434,6 @@
               </a:rPr>
               <a:t>Insight and opinions of professionals in industry </a:t>
             </a:r>
-            <a:endParaRPr lang="en-US" sz="1200" dirty="0" smtClean="0">
-              <a:latin typeface="Trade Gothic Next LT Pro Lt" charset="0"/>
-            </a:endParaRPr>
           </a:p>
           <a:p>
             <a:pPr>
